--- a/MWS Project 2 Presentation.pptx
+++ b/MWS Project 2 Presentation.pptx
@@ -4214,7 +4214,9 @@
         </p:nvSpPr>
         <p:spPr/>
         <p:txBody>
-          <a:bodyPr/>
+          <a:bodyPr>
+            <a:normAutofit/>
+          </a:bodyPr>
           <a:lstStyle/>
           <a:p>
             <a:r>
@@ -4252,12 +4254,45 @@
               <a:t>Most importantly…did not know most of this ND content before Udacity. Being in digital is a lifelong learning experience!  </a:t>
             </a:r>
             <a:r>
-              <a:rPr lang="en-US" dirty="0">
+              <a:rPr lang="en-US" dirty="0" smtClean="0">
                 <a:sym typeface="Wingdings" panose="05000000000000000000" pitchFamily="2" charset="2"/>
               </a:rPr>
               <a:t></a:t>
             </a:r>
-            <a:endParaRPr lang="en-US" dirty="0"/>
+          </a:p>
+          <a:p>
+            <a:pPr marL="0" indent="0">
+              <a:buNone/>
+            </a:pPr>
+            <a:endParaRPr lang="en-US" dirty="0">
+              <a:sym typeface="Wingdings" panose="05000000000000000000" pitchFamily="2" charset="2"/>
+            </a:endParaRPr>
+          </a:p>
+          <a:p>
+            <a:pPr marL="0" indent="0">
+              <a:buNone/>
+            </a:pPr>
+            <a:r>
+              <a:rPr lang="en-US" sz="1800" dirty="0"/>
+              <a:t>https://</a:t>
+            </a:r>
+            <a:r>
+              <a:rPr lang="en-US" sz="1800" dirty="0" err="1"/>
+              <a:t>www.linkedin.com</a:t>
+            </a:r>
+            <a:r>
+              <a:rPr lang="en-US" sz="1800" dirty="0"/>
+              <a:t>/in/</a:t>
+            </a:r>
+            <a:r>
+              <a:rPr lang="en-US" sz="1800" dirty="0" err="1"/>
+              <a:t>thefinitemonkey</a:t>
+            </a:r>
+            <a:r>
+              <a:rPr lang="en-US" sz="1800" dirty="0"/>
+              <a:t>/</a:t>
+            </a:r>
+            <a:endParaRPr lang="en-US" sz="1800" dirty="0"/>
           </a:p>
         </p:txBody>
       </p:sp>

--- a/MWS Project 2 Presentation.pptx
+++ b/MWS Project 2 Presentation.pptx
@@ -143,7 +143,7 @@
           <p:cNvPr id="2" name="Title 1">
             <a:extLst>
               <a:ext uri="{FF2B5EF4-FFF2-40B4-BE49-F238E27FC236}">
-                <a16:creationId xmlns:a16="http://schemas.microsoft.com/office/drawing/2014/main" xmlns="" id="{36B55D91-DF91-4F57-8100-6140FBE966F5}"/>
+                <a16:creationId xmlns="" xmlns:a16="http://schemas.microsoft.com/office/drawing/2014/main" id="{36B55D91-DF91-4F57-8100-6140FBE966F5}"/>
               </a:ext>
             </a:extLst>
           </p:cNvPr>
@@ -180,7 +180,7 @@
           <p:cNvPr id="3" name="Subtitle 2">
             <a:extLst>
               <a:ext uri="{FF2B5EF4-FFF2-40B4-BE49-F238E27FC236}">
-                <a16:creationId xmlns:a16="http://schemas.microsoft.com/office/drawing/2014/main" xmlns="" id="{AB659E0D-C227-4981-B8A2-622134ADCC8E}"/>
+                <a16:creationId xmlns="" xmlns:a16="http://schemas.microsoft.com/office/drawing/2014/main" id="{AB659E0D-C227-4981-B8A2-622134ADCC8E}"/>
               </a:ext>
             </a:extLst>
           </p:cNvPr>
@@ -250,7 +250,7 @@
           <p:cNvPr id="4" name="Date Placeholder 3">
             <a:extLst>
               <a:ext uri="{FF2B5EF4-FFF2-40B4-BE49-F238E27FC236}">
-                <a16:creationId xmlns:a16="http://schemas.microsoft.com/office/drawing/2014/main" xmlns="" id="{05D273BC-328E-4A8E-A84D-B65B0D58DB42}"/>
+                <a16:creationId xmlns="" xmlns:a16="http://schemas.microsoft.com/office/drawing/2014/main" id="{05D273BC-328E-4A8E-A84D-B65B0D58DB42}"/>
               </a:ext>
             </a:extLst>
           </p:cNvPr>
@@ -268,7 +268,7 @@
           <a:p>
             <a:fld id="{2BBC7F7D-1EE4-434C-870D-3F195F950ADF}" type="datetimeFigureOut">
               <a:rPr lang="en-US" smtClean="0"/>
-              <a:t>6/23/18</a:t>
+              <a:t>6/24/18</a:t>
             </a:fld>
             <a:endParaRPr lang="en-US" dirty="0"/>
           </a:p>
@@ -279,7 +279,7 @@
           <p:cNvPr id="5" name="Footer Placeholder 4">
             <a:extLst>
               <a:ext uri="{FF2B5EF4-FFF2-40B4-BE49-F238E27FC236}">
-                <a16:creationId xmlns:a16="http://schemas.microsoft.com/office/drawing/2014/main" xmlns="" id="{DCE35DE5-7D1E-4AF2-A5E5-73AAE2183A04}"/>
+                <a16:creationId xmlns="" xmlns:a16="http://schemas.microsoft.com/office/drawing/2014/main" id="{DCE35DE5-7D1E-4AF2-A5E5-73AAE2183A04}"/>
               </a:ext>
             </a:extLst>
           </p:cNvPr>
@@ -307,7 +307,7 @@
           <p:cNvPr id="6" name="Slide Number Placeholder 5">
             <a:extLst>
               <a:ext uri="{FF2B5EF4-FFF2-40B4-BE49-F238E27FC236}">
-                <a16:creationId xmlns:a16="http://schemas.microsoft.com/office/drawing/2014/main" xmlns="" id="{E6F461C4-0989-4442-BB46-9300C1D4535C}"/>
+                <a16:creationId xmlns="" xmlns:a16="http://schemas.microsoft.com/office/drawing/2014/main" id="{E6F461C4-0989-4442-BB46-9300C1D4535C}"/>
               </a:ext>
             </a:extLst>
           </p:cNvPr>
@@ -336,7 +336,7 @@
           <p:cNvPr id="10" name="Graphic 9">
             <a:extLst>
               <a:ext uri="{FF2B5EF4-FFF2-40B4-BE49-F238E27FC236}">
-                <a16:creationId xmlns:a16="http://schemas.microsoft.com/office/drawing/2014/main" xmlns="" id="{EC23F8FF-2F10-4103-9B8A-0BECD3553E59}"/>
+                <a16:creationId xmlns="" xmlns:a16="http://schemas.microsoft.com/office/drawing/2014/main" id="{EC23F8FF-2F10-4103-9B8A-0BECD3553E59}"/>
               </a:ext>
             </a:extLst>
           </p:cNvPr>
@@ -352,7 +352,7 @@
                 <a14:useLocalDpi xmlns:a14="http://schemas.microsoft.com/office/drawing/2010/main" val="0"/>
               </a:ext>
               <a:ext uri="{96DAC541-7B7A-43D3-8B79-37D633B846F1}">
-                <asvg:svgBlip xmlns:asvg="http://schemas.microsoft.com/office/drawing/2016/SVG/main" xmlns="" r:embed="rId3"/>
+                <asvg:svgBlip xmlns="" xmlns:asvg="http://schemas.microsoft.com/office/drawing/2016/SVG/main" r:embed="rId3"/>
               </a:ext>
             </a:extLst>
           </a:blip>
@@ -375,7 +375,7 @@
           <p:cNvPr id="12" name="Straight Connector 11">
             <a:extLst>
               <a:ext uri="{FF2B5EF4-FFF2-40B4-BE49-F238E27FC236}">
-                <a16:creationId xmlns:a16="http://schemas.microsoft.com/office/drawing/2014/main" xmlns="" id="{508CE880-A504-47EE-81F3-AED83F4193EA}"/>
+                <a16:creationId xmlns="" xmlns:a16="http://schemas.microsoft.com/office/drawing/2014/main" id="{508CE880-A504-47EE-81F3-AED83F4193EA}"/>
               </a:ext>
             </a:extLst>
           </p:cNvPr>
@@ -443,7 +443,7 @@
           <p:cNvPr id="2" name="Title 1">
             <a:extLst>
               <a:ext uri="{FF2B5EF4-FFF2-40B4-BE49-F238E27FC236}">
-                <a16:creationId xmlns:a16="http://schemas.microsoft.com/office/drawing/2014/main" xmlns="" id="{FC719B03-A23D-4302-84C7-5F354216598F}"/>
+                <a16:creationId xmlns="" xmlns:a16="http://schemas.microsoft.com/office/drawing/2014/main" id="{FC719B03-A23D-4302-84C7-5F354216598F}"/>
               </a:ext>
             </a:extLst>
           </p:cNvPr>
@@ -471,7 +471,7 @@
           <p:cNvPr id="3" name="Vertical Text Placeholder 2">
             <a:extLst>
               <a:ext uri="{FF2B5EF4-FFF2-40B4-BE49-F238E27FC236}">
-                <a16:creationId xmlns:a16="http://schemas.microsoft.com/office/drawing/2014/main" xmlns="" id="{9ADAAD98-94D0-4F0F-9107-B5FA1BC8ADD9}"/>
+                <a16:creationId xmlns="" xmlns:a16="http://schemas.microsoft.com/office/drawing/2014/main" id="{9ADAAD98-94D0-4F0F-9107-B5FA1BC8ADD9}"/>
               </a:ext>
             </a:extLst>
           </p:cNvPr>
@@ -528,7 +528,7 @@
           <p:cNvPr id="4" name="Date Placeholder 3">
             <a:extLst>
               <a:ext uri="{FF2B5EF4-FFF2-40B4-BE49-F238E27FC236}">
-                <a16:creationId xmlns:a16="http://schemas.microsoft.com/office/drawing/2014/main" xmlns="" id="{1B60B6DB-B721-4279-9DBF-9618F25BA9D7}"/>
+                <a16:creationId xmlns="" xmlns:a16="http://schemas.microsoft.com/office/drawing/2014/main" id="{1B60B6DB-B721-4279-9DBF-9618F25BA9D7}"/>
               </a:ext>
             </a:extLst>
           </p:cNvPr>
@@ -546,7 +546,7 @@
           <a:p>
             <a:fld id="{2BBC7F7D-1EE4-434C-870D-3F195F950ADF}" type="datetimeFigureOut">
               <a:rPr lang="en-US" smtClean="0"/>
-              <a:t>6/23/18</a:t>
+              <a:t>6/24/18</a:t>
             </a:fld>
             <a:endParaRPr lang="en-US"/>
           </a:p>
@@ -557,7 +557,7 @@
           <p:cNvPr id="5" name="Footer Placeholder 4">
             <a:extLst>
               <a:ext uri="{FF2B5EF4-FFF2-40B4-BE49-F238E27FC236}">
-                <a16:creationId xmlns:a16="http://schemas.microsoft.com/office/drawing/2014/main" xmlns="" id="{ECF88ED6-331E-4262-AAFE-A37933256E00}"/>
+                <a16:creationId xmlns="" xmlns:a16="http://schemas.microsoft.com/office/drawing/2014/main" id="{ECF88ED6-331E-4262-AAFE-A37933256E00}"/>
               </a:ext>
             </a:extLst>
           </p:cNvPr>
@@ -582,7 +582,7 @@
           <p:cNvPr id="6" name="Slide Number Placeholder 5">
             <a:extLst>
               <a:ext uri="{FF2B5EF4-FFF2-40B4-BE49-F238E27FC236}">
-                <a16:creationId xmlns:a16="http://schemas.microsoft.com/office/drawing/2014/main" xmlns="" id="{2FFC80FB-179B-4D44-A080-B072A96C1D27}"/>
+                <a16:creationId xmlns="" xmlns:a16="http://schemas.microsoft.com/office/drawing/2014/main" id="{2FFC80FB-179B-4D44-A080-B072A96C1D27}"/>
               </a:ext>
             </a:extLst>
           </p:cNvPr>
@@ -641,7 +641,7 @@
           <p:cNvPr id="2" name="Vertical Title 1">
             <a:extLst>
               <a:ext uri="{FF2B5EF4-FFF2-40B4-BE49-F238E27FC236}">
-                <a16:creationId xmlns:a16="http://schemas.microsoft.com/office/drawing/2014/main" xmlns="" id="{B3C713B4-81FC-4301-A757-45C4BB916875}"/>
+                <a16:creationId xmlns="" xmlns:a16="http://schemas.microsoft.com/office/drawing/2014/main" id="{B3C713B4-81FC-4301-A757-45C4BB916875}"/>
               </a:ext>
             </a:extLst>
           </p:cNvPr>
@@ -674,7 +674,7 @@
           <p:cNvPr id="3" name="Vertical Text Placeholder 2">
             <a:extLst>
               <a:ext uri="{FF2B5EF4-FFF2-40B4-BE49-F238E27FC236}">
-                <a16:creationId xmlns:a16="http://schemas.microsoft.com/office/drawing/2014/main" xmlns="" id="{0261866B-67D6-4B3A-8166-26A08FB8CBBD}"/>
+                <a16:creationId xmlns="" xmlns:a16="http://schemas.microsoft.com/office/drawing/2014/main" id="{0261866B-67D6-4B3A-8166-26A08FB8CBBD}"/>
               </a:ext>
             </a:extLst>
           </p:cNvPr>
@@ -736,7 +736,7 @@
           <p:cNvPr id="4" name="Date Placeholder 3">
             <a:extLst>
               <a:ext uri="{FF2B5EF4-FFF2-40B4-BE49-F238E27FC236}">
-                <a16:creationId xmlns:a16="http://schemas.microsoft.com/office/drawing/2014/main" xmlns="" id="{98EF3524-932B-4695-A510-E4B536CF07AF}"/>
+                <a16:creationId xmlns="" xmlns:a16="http://schemas.microsoft.com/office/drawing/2014/main" id="{98EF3524-932B-4695-A510-E4B536CF07AF}"/>
               </a:ext>
             </a:extLst>
           </p:cNvPr>
@@ -754,7 +754,7 @@
           <a:p>
             <a:fld id="{2BBC7F7D-1EE4-434C-870D-3F195F950ADF}" type="datetimeFigureOut">
               <a:rPr lang="en-US" smtClean="0"/>
-              <a:t>6/23/18</a:t>
+              <a:t>6/24/18</a:t>
             </a:fld>
             <a:endParaRPr lang="en-US"/>
           </a:p>
@@ -765,7 +765,7 @@
           <p:cNvPr id="5" name="Footer Placeholder 4">
             <a:extLst>
               <a:ext uri="{FF2B5EF4-FFF2-40B4-BE49-F238E27FC236}">
-                <a16:creationId xmlns:a16="http://schemas.microsoft.com/office/drawing/2014/main" xmlns="" id="{BA1AE621-E75C-420D-8C95-8699ACC9DF32}"/>
+                <a16:creationId xmlns="" xmlns:a16="http://schemas.microsoft.com/office/drawing/2014/main" id="{BA1AE621-E75C-420D-8C95-8699ACC9DF32}"/>
               </a:ext>
             </a:extLst>
           </p:cNvPr>
@@ -790,7 +790,7 @@
           <p:cNvPr id="6" name="Slide Number Placeholder 5">
             <a:extLst>
               <a:ext uri="{FF2B5EF4-FFF2-40B4-BE49-F238E27FC236}">
-                <a16:creationId xmlns:a16="http://schemas.microsoft.com/office/drawing/2014/main" xmlns="" id="{E85C49F3-4AD7-450C-8EA5-A87DA0CA731F}"/>
+                <a16:creationId xmlns="" xmlns:a16="http://schemas.microsoft.com/office/drawing/2014/main" id="{E85C49F3-4AD7-450C-8EA5-A87DA0CA731F}"/>
               </a:ext>
             </a:extLst>
           </p:cNvPr>
@@ -849,7 +849,7 @@
           <p:cNvPr id="2" name="Title 1">
             <a:extLst>
               <a:ext uri="{FF2B5EF4-FFF2-40B4-BE49-F238E27FC236}">
-                <a16:creationId xmlns:a16="http://schemas.microsoft.com/office/drawing/2014/main" xmlns="" id="{D519FBA9-0742-4C50-BBFA-9671604B0F76}"/>
+                <a16:creationId xmlns="" xmlns:a16="http://schemas.microsoft.com/office/drawing/2014/main" id="{D519FBA9-0742-4C50-BBFA-9671604B0F76}"/>
               </a:ext>
             </a:extLst>
           </p:cNvPr>
@@ -882,7 +882,7 @@
           <p:cNvPr id="3" name="Content Placeholder 2">
             <a:extLst>
               <a:ext uri="{FF2B5EF4-FFF2-40B4-BE49-F238E27FC236}">
-                <a16:creationId xmlns:a16="http://schemas.microsoft.com/office/drawing/2014/main" xmlns="" id="{4E13427F-597B-46A8-98CC-3D46E15C3369}"/>
+                <a16:creationId xmlns="" xmlns:a16="http://schemas.microsoft.com/office/drawing/2014/main" id="{4E13427F-597B-46A8-98CC-3D46E15C3369}"/>
               </a:ext>
             </a:extLst>
           </p:cNvPr>
@@ -944,7 +944,7 @@
           <p:cNvPr id="4" name="Date Placeholder 3">
             <a:extLst>
               <a:ext uri="{FF2B5EF4-FFF2-40B4-BE49-F238E27FC236}">
-                <a16:creationId xmlns:a16="http://schemas.microsoft.com/office/drawing/2014/main" xmlns="" id="{7EEB8C51-77BE-4292-B039-B73CF5A7BC1C}"/>
+                <a16:creationId xmlns="" xmlns:a16="http://schemas.microsoft.com/office/drawing/2014/main" id="{7EEB8C51-77BE-4292-B039-B73CF5A7BC1C}"/>
               </a:ext>
             </a:extLst>
           </p:cNvPr>
@@ -962,7 +962,7 @@
           <a:p>
             <a:fld id="{2BBC7F7D-1EE4-434C-870D-3F195F950ADF}" type="datetimeFigureOut">
               <a:rPr lang="en-US" smtClean="0"/>
-              <a:t>6/23/18</a:t>
+              <a:t>6/24/18</a:t>
             </a:fld>
             <a:endParaRPr lang="en-US"/>
           </a:p>
@@ -973,7 +973,7 @@
           <p:cNvPr id="5" name="Footer Placeholder 4">
             <a:extLst>
               <a:ext uri="{FF2B5EF4-FFF2-40B4-BE49-F238E27FC236}">
-                <a16:creationId xmlns:a16="http://schemas.microsoft.com/office/drawing/2014/main" xmlns="" id="{E1988A03-F6D7-42D0-B090-D4C209832C66}"/>
+                <a16:creationId xmlns="" xmlns:a16="http://schemas.microsoft.com/office/drawing/2014/main" id="{E1988A03-F6D7-42D0-B090-D4C209832C66}"/>
               </a:ext>
             </a:extLst>
           </p:cNvPr>
@@ -1001,7 +1001,7 @@
           <p:cNvPr id="6" name="Slide Number Placeholder 5">
             <a:extLst>
               <a:ext uri="{FF2B5EF4-FFF2-40B4-BE49-F238E27FC236}">
-                <a16:creationId xmlns:a16="http://schemas.microsoft.com/office/drawing/2014/main" xmlns="" id="{2A7981DF-408E-4EEF-A2A2-B117392883D7}"/>
+                <a16:creationId xmlns="" xmlns:a16="http://schemas.microsoft.com/office/drawing/2014/main" id="{2A7981DF-408E-4EEF-A2A2-B117392883D7}"/>
               </a:ext>
             </a:extLst>
           </p:cNvPr>
@@ -1030,7 +1030,7 @@
           <p:cNvPr id="7" name="Graphic 6">
             <a:extLst>
               <a:ext uri="{FF2B5EF4-FFF2-40B4-BE49-F238E27FC236}">
-                <a16:creationId xmlns:a16="http://schemas.microsoft.com/office/drawing/2014/main" xmlns="" id="{CC6C9524-5D70-4CE7-9AE7-89B40E4DC5E3}"/>
+                <a16:creationId xmlns="" xmlns:a16="http://schemas.microsoft.com/office/drawing/2014/main" id="{CC6C9524-5D70-4CE7-9AE7-89B40E4DC5E3}"/>
               </a:ext>
             </a:extLst>
           </p:cNvPr>
@@ -1046,7 +1046,7 @@
                 <a14:useLocalDpi xmlns:a14="http://schemas.microsoft.com/office/drawing/2010/main" val="0"/>
               </a:ext>
               <a:ext uri="{96DAC541-7B7A-43D3-8B79-37D633B846F1}">
-                <asvg:svgBlip xmlns:asvg="http://schemas.microsoft.com/office/drawing/2016/SVG/main" xmlns="" r:embed="rId3"/>
+                <asvg:svgBlip xmlns="" xmlns:asvg="http://schemas.microsoft.com/office/drawing/2016/SVG/main" r:embed="rId3"/>
               </a:ext>
             </a:extLst>
           </a:blip>
@@ -1069,7 +1069,7 @@
           <p:cNvPr id="8" name="Straight Connector 7">
             <a:extLst>
               <a:ext uri="{FF2B5EF4-FFF2-40B4-BE49-F238E27FC236}">
-                <a16:creationId xmlns:a16="http://schemas.microsoft.com/office/drawing/2014/main" xmlns="" id="{BCB2F6D5-71B2-44D3-AE9C-DC2EFEFBBAC7}"/>
+                <a16:creationId xmlns="" xmlns:a16="http://schemas.microsoft.com/office/drawing/2014/main" id="{BCB2F6D5-71B2-44D3-AE9C-DC2EFEFBBAC7}"/>
               </a:ext>
             </a:extLst>
           </p:cNvPr>
@@ -1137,7 +1137,7 @@
           <p:cNvPr id="2" name="Title 1">
             <a:extLst>
               <a:ext uri="{FF2B5EF4-FFF2-40B4-BE49-F238E27FC236}">
-                <a16:creationId xmlns:a16="http://schemas.microsoft.com/office/drawing/2014/main" xmlns="" id="{B787AABB-9C53-4E22-A537-B929A559B5D3}"/>
+                <a16:creationId xmlns="" xmlns:a16="http://schemas.microsoft.com/office/drawing/2014/main" id="{B787AABB-9C53-4E22-A537-B929A559B5D3}"/>
               </a:ext>
             </a:extLst>
           </p:cNvPr>
@@ -1174,7 +1174,7 @@
           <p:cNvPr id="3" name="Text Placeholder 2">
             <a:extLst>
               <a:ext uri="{FF2B5EF4-FFF2-40B4-BE49-F238E27FC236}">
-                <a16:creationId xmlns:a16="http://schemas.microsoft.com/office/drawing/2014/main" xmlns="" id="{08FCC421-4291-457D-8FAE-436580FBA4B0}"/>
+                <a16:creationId xmlns="" xmlns:a16="http://schemas.microsoft.com/office/drawing/2014/main" id="{08FCC421-4291-457D-8FAE-436580FBA4B0}"/>
               </a:ext>
             </a:extLst>
           </p:cNvPr>
@@ -1299,7 +1299,7 @@
           <p:cNvPr id="4" name="Date Placeholder 3">
             <a:extLst>
               <a:ext uri="{FF2B5EF4-FFF2-40B4-BE49-F238E27FC236}">
-                <a16:creationId xmlns:a16="http://schemas.microsoft.com/office/drawing/2014/main" xmlns="" id="{7486B883-8578-4E60-9D0D-2552E31CDC1F}"/>
+                <a16:creationId xmlns="" xmlns:a16="http://schemas.microsoft.com/office/drawing/2014/main" id="{7486B883-8578-4E60-9D0D-2552E31CDC1F}"/>
               </a:ext>
             </a:extLst>
           </p:cNvPr>
@@ -1317,7 +1317,7 @@
           <a:p>
             <a:fld id="{2BBC7F7D-1EE4-434C-870D-3F195F950ADF}" type="datetimeFigureOut">
               <a:rPr lang="en-US" smtClean="0"/>
-              <a:t>6/23/18</a:t>
+              <a:t>6/24/18</a:t>
             </a:fld>
             <a:endParaRPr lang="en-US"/>
           </a:p>
@@ -1328,7 +1328,7 @@
           <p:cNvPr id="5" name="Footer Placeholder 4">
             <a:extLst>
               <a:ext uri="{FF2B5EF4-FFF2-40B4-BE49-F238E27FC236}">
-                <a16:creationId xmlns:a16="http://schemas.microsoft.com/office/drawing/2014/main" xmlns="" id="{369E3608-F165-40B6-871B-97F5BC5F3DE2}"/>
+                <a16:creationId xmlns="" xmlns:a16="http://schemas.microsoft.com/office/drawing/2014/main" id="{369E3608-F165-40B6-871B-97F5BC5F3DE2}"/>
               </a:ext>
             </a:extLst>
           </p:cNvPr>
@@ -1356,7 +1356,7 @@
           <p:cNvPr id="6" name="Slide Number Placeholder 5">
             <a:extLst>
               <a:ext uri="{FF2B5EF4-FFF2-40B4-BE49-F238E27FC236}">
-                <a16:creationId xmlns:a16="http://schemas.microsoft.com/office/drawing/2014/main" xmlns="" id="{B42EA33B-6F53-4185-B656-7C3B39422F6A}"/>
+                <a16:creationId xmlns="" xmlns:a16="http://schemas.microsoft.com/office/drawing/2014/main" id="{B42EA33B-6F53-4185-B656-7C3B39422F6A}"/>
               </a:ext>
             </a:extLst>
           </p:cNvPr>
@@ -1385,7 +1385,7 @@
           <p:cNvPr id="7" name="Graphic 6">
             <a:extLst>
               <a:ext uri="{FF2B5EF4-FFF2-40B4-BE49-F238E27FC236}">
-                <a16:creationId xmlns:a16="http://schemas.microsoft.com/office/drawing/2014/main" xmlns="" id="{C88CE82D-0DBF-4B1C-8F4D-2B6F8DBC56D0}"/>
+                <a16:creationId xmlns="" xmlns:a16="http://schemas.microsoft.com/office/drawing/2014/main" id="{C88CE82D-0DBF-4B1C-8F4D-2B6F8DBC56D0}"/>
               </a:ext>
             </a:extLst>
           </p:cNvPr>
@@ -1401,7 +1401,7 @@
                 <a14:useLocalDpi xmlns:a14="http://schemas.microsoft.com/office/drawing/2010/main" val="0"/>
               </a:ext>
               <a:ext uri="{96DAC541-7B7A-43D3-8B79-37D633B846F1}">
-                <asvg:svgBlip xmlns:asvg="http://schemas.microsoft.com/office/drawing/2016/SVG/main" xmlns="" r:embed="rId3"/>
+                <asvg:svgBlip xmlns="" xmlns:asvg="http://schemas.microsoft.com/office/drawing/2016/SVG/main" r:embed="rId3"/>
               </a:ext>
             </a:extLst>
           </a:blip>
@@ -1424,7 +1424,7 @@
           <p:cNvPr id="8" name="Straight Connector 7">
             <a:extLst>
               <a:ext uri="{FF2B5EF4-FFF2-40B4-BE49-F238E27FC236}">
-                <a16:creationId xmlns:a16="http://schemas.microsoft.com/office/drawing/2014/main" xmlns="" id="{B2CCA9D8-4350-49B4-81A3-487CFDAD0C84}"/>
+                <a16:creationId xmlns="" xmlns:a16="http://schemas.microsoft.com/office/drawing/2014/main" id="{B2CCA9D8-4350-49B4-81A3-487CFDAD0C84}"/>
               </a:ext>
             </a:extLst>
           </p:cNvPr>
@@ -1492,7 +1492,7 @@
           <p:cNvPr id="2" name="Title 1">
             <a:extLst>
               <a:ext uri="{FF2B5EF4-FFF2-40B4-BE49-F238E27FC236}">
-                <a16:creationId xmlns:a16="http://schemas.microsoft.com/office/drawing/2014/main" xmlns="" id="{6CBAB204-7776-4DC3-A819-BCC9385C43B7}"/>
+                <a16:creationId xmlns="" xmlns:a16="http://schemas.microsoft.com/office/drawing/2014/main" id="{6CBAB204-7776-4DC3-A819-BCC9385C43B7}"/>
               </a:ext>
             </a:extLst>
           </p:cNvPr>
@@ -1525,7 +1525,7 @@
           <p:cNvPr id="3" name="Content Placeholder 2">
             <a:extLst>
               <a:ext uri="{FF2B5EF4-FFF2-40B4-BE49-F238E27FC236}">
-                <a16:creationId xmlns:a16="http://schemas.microsoft.com/office/drawing/2014/main" xmlns="" id="{C8C9B250-3051-4122-AF15-1A1C118A769D}"/>
+                <a16:creationId xmlns="" xmlns:a16="http://schemas.microsoft.com/office/drawing/2014/main" id="{C8C9B250-3051-4122-AF15-1A1C118A769D}"/>
               </a:ext>
             </a:extLst>
           </p:cNvPr>
@@ -1587,7 +1587,7 @@
           <p:cNvPr id="4" name="Content Placeholder 3">
             <a:extLst>
               <a:ext uri="{FF2B5EF4-FFF2-40B4-BE49-F238E27FC236}">
-                <a16:creationId xmlns:a16="http://schemas.microsoft.com/office/drawing/2014/main" xmlns="" id="{84C62205-8CFD-434C-95E9-0764F24A9BD5}"/>
+                <a16:creationId xmlns="" xmlns:a16="http://schemas.microsoft.com/office/drawing/2014/main" id="{84C62205-8CFD-434C-95E9-0764F24A9BD5}"/>
               </a:ext>
             </a:extLst>
           </p:cNvPr>
@@ -1649,7 +1649,7 @@
           <p:cNvPr id="5" name="Date Placeholder 4">
             <a:extLst>
               <a:ext uri="{FF2B5EF4-FFF2-40B4-BE49-F238E27FC236}">
-                <a16:creationId xmlns:a16="http://schemas.microsoft.com/office/drawing/2014/main" xmlns="" id="{74E2BF08-7254-406A-97E3-32389DEF8C65}"/>
+                <a16:creationId xmlns="" xmlns:a16="http://schemas.microsoft.com/office/drawing/2014/main" id="{74E2BF08-7254-406A-97E3-32389DEF8C65}"/>
               </a:ext>
             </a:extLst>
           </p:cNvPr>
@@ -1667,7 +1667,7 @@
           <a:p>
             <a:fld id="{2BBC7F7D-1EE4-434C-870D-3F195F950ADF}" type="datetimeFigureOut">
               <a:rPr lang="en-US" smtClean="0"/>
-              <a:t>6/23/18</a:t>
+              <a:t>6/24/18</a:t>
             </a:fld>
             <a:endParaRPr lang="en-US"/>
           </a:p>
@@ -1678,7 +1678,7 @@
           <p:cNvPr id="6" name="Footer Placeholder 5">
             <a:extLst>
               <a:ext uri="{FF2B5EF4-FFF2-40B4-BE49-F238E27FC236}">
-                <a16:creationId xmlns:a16="http://schemas.microsoft.com/office/drawing/2014/main" xmlns="" id="{F1FD0C5A-9B7C-4F3D-A9EF-E65ACE65EF53}"/>
+                <a16:creationId xmlns="" xmlns:a16="http://schemas.microsoft.com/office/drawing/2014/main" id="{F1FD0C5A-9B7C-4F3D-A9EF-E65ACE65EF53}"/>
               </a:ext>
             </a:extLst>
           </p:cNvPr>
@@ -1706,7 +1706,7 @@
           <p:cNvPr id="7" name="Slide Number Placeholder 6">
             <a:extLst>
               <a:ext uri="{FF2B5EF4-FFF2-40B4-BE49-F238E27FC236}">
-                <a16:creationId xmlns:a16="http://schemas.microsoft.com/office/drawing/2014/main" xmlns="" id="{74111F02-D13B-4C63-902E-EA26F803ABD9}"/>
+                <a16:creationId xmlns="" xmlns:a16="http://schemas.microsoft.com/office/drawing/2014/main" id="{74111F02-D13B-4C63-902E-EA26F803ABD9}"/>
               </a:ext>
             </a:extLst>
           </p:cNvPr>
@@ -1735,7 +1735,7 @@
           <p:cNvPr id="8" name="Graphic 7">
             <a:extLst>
               <a:ext uri="{FF2B5EF4-FFF2-40B4-BE49-F238E27FC236}">
-                <a16:creationId xmlns:a16="http://schemas.microsoft.com/office/drawing/2014/main" xmlns="" id="{683A7763-D6E8-4777-BCD5-617A43961734}"/>
+                <a16:creationId xmlns="" xmlns:a16="http://schemas.microsoft.com/office/drawing/2014/main" id="{683A7763-D6E8-4777-BCD5-617A43961734}"/>
               </a:ext>
             </a:extLst>
           </p:cNvPr>
@@ -1751,7 +1751,7 @@
                 <a14:useLocalDpi xmlns:a14="http://schemas.microsoft.com/office/drawing/2010/main" val="0"/>
               </a:ext>
               <a:ext uri="{96DAC541-7B7A-43D3-8B79-37D633B846F1}">
-                <asvg:svgBlip xmlns:asvg="http://schemas.microsoft.com/office/drawing/2016/SVG/main" xmlns="" r:embed="rId3"/>
+                <asvg:svgBlip xmlns="" xmlns:asvg="http://schemas.microsoft.com/office/drawing/2016/SVG/main" r:embed="rId3"/>
               </a:ext>
             </a:extLst>
           </a:blip>
@@ -1774,7 +1774,7 @@
           <p:cNvPr id="9" name="Straight Connector 8">
             <a:extLst>
               <a:ext uri="{FF2B5EF4-FFF2-40B4-BE49-F238E27FC236}">
-                <a16:creationId xmlns:a16="http://schemas.microsoft.com/office/drawing/2014/main" xmlns="" id="{D1808EBB-2BC3-4239-B555-EF9AA92F6CD9}"/>
+                <a16:creationId xmlns="" xmlns:a16="http://schemas.microsoft.com/office/drawing/2014/main" id="{D1808EBB-2BC3-4239-B555-EF9AA92F6CD9}"/>
               </a:ext>
             </a:extLst>
           </p:cNvPr>
@@ -1842,7 +1842,7 @@
           <p:cNvPr id="2" name="Title 1">
             <a:extLst>
               <a:ext uri="{FF2B5EF4-FFF2-40B4-BE49-F238E27FC236}">
-                <a16:creationId xmlns:a16="http://schemas.microsoft.com/office/drawing/2014/main" xmlns="" id="{B266C73F-843B-4A76-A7B0-64FB2565DBED}"/>
+                <a16:creationId xmlns="" xmlns:a16="http://schemas.microsoft.com/office/drawing/2014/main" id="{B266C73F-843B-4A76-A7B0-64FB2565DBED}"/>
               </a:ext>
             </a:extLst>
           </p:cNvPr>
@@ -1875,7 +1875,7 @@
           <p:cNvPr id="3" name="Text Placeholder 2">
             <a:extLst>
               <a:ext uri="{FF2B5EF4-FFF2-40B4-BE49-F238E27FC236}">
-                <a16:creationId xmlns:a16="http://schemas.microsoft.com/office/drawing/2014/main" xmlns="" id="{1924B0F2-7B79-4DF3-995E-C8C804784556}"/>
+                <a16:creationId xmlns="" xmlns:a16="http://schemas.microsoft.com/office/drawing/2014/main" id="{1924B0F2-7B79-4DF3-995E-C8C804784556}"/>
               </a:ext>
             </a:extLst>
           </p:cNvPr>
@@ -1946,7 +1946,7 @@
           <p:cNvPr id="4" name="Content Placeholder 3">
             <a:extLst>
               <a:ext uri="{FF2B5EF4-FFF2-40B4-BE49-F238E27FC236}">
-                <a16:creationId xmlns:a16="http://schemas.microsoft.com/office/drawing/2014/main" xmlns="" id="{3C028C90-1E4C-44EB-BF1F-1994E19A6BD0}"/>
+                <a16:creationId xmlns="" xmlns:a16="http://schemas.microsoft.com/office/drawing/2014/main" id="{3C028C90-1E4C-44EB-BF1F-1994E19A6BD0}"/>
               </a:ext>
             </a:extLst>
           </p:cNvPr>
@@ -2008,7 +2008,7 @@
           <p:cNvPr id="5" name="Text Placeholder 4">
             <a:extLst>
               <a:ext uri="{FF2B5EF4-FFF2-40B4-BE49-F238E27FC236}">
-                <a16:creationId xmlns:a16="http://schemas.microsoft.com/office/drawing/2014/main" xmlns="" id="{82343182-3547-4F9D-80A1-25061CEF1612}"/>
+                <a16:creationId xmlns="" xmlns:a16="http://schemas.microsoft.com/office/drawing/2014/main" id="{82343182-3547-4F9D-80A1-25061CEF1612}"/>
               </a:ext>
             </a:extLst>
           </p:cNvPr>
@@ -2079,7 +2079,7 @@
           <p:cNvPr id="6" name="Content Placeholder 5">
             <a:extLst>
               <a:ext uri="{FF2B5EF4-FFF2-40B4-BE49-F238E27FC236}">
-                <a16:creationId xmlns:a16="http://schemas.microsoft.com/office/drawing/2014/main" xmlns="" id="{5449D358-9ACD-4E84-9FF1-A2BDB67858C3}"/>
+                <a16:creationId xmlns="" xmlns:a16="http://schemas.microsoft.com/office/drawing/2014/main" id="{5449D358-9ACD-4E84-9FF1-A2BDB67858C3}"/>
               </a:ext>
             </a:extLst>
           </p:cNvPr>
@@ -2141,7 +2141,7 @@
           <p:cNvPr id="7" name="Date Placeholder 6">
             <a:extLst>
               <a:ext uri="{FF2B5EF4-FFF2-40B4-BE49-F238E27FC236}">
-                <a16:creationId xmlns:a16="http://schemas.microsoft.com/office/drawing/2014/main" xmlns="" id="{DFD54EAC-EFC1-48F2-9B6D-6F65AB1FDCDA}"/>
+                <a16:creationId xmlns="" xmlns:a16="http://schemas.microsoft.com/office/drawing/2014/main" id="{DFD54EAC-EFC1-48F2-9B6D-6F65AB1FDCDA}"/>
               </a:ext>
             </a:extLst>
           </p:cNvPr>
@@ -2159,7 +2159,7 @@
           <a:p>
             <a:fld id="{2BBC7F7D-1EE4-434C-870D-3F195F950ADF}" type="datetimeFigureOut">
               <a:rPr lang="en-US" smtClean="0"/>
-              <a:t>6/23/18</a:t>
+              <a:t>6/24/18</a:t>
             </a:fld>
             <a:endParaRPr lang="en-US"/>
           </a:p>
@@ -2170,7 +2170,7 @@
           <p:cNvPr id="8" name="Footer Placeholder 7">
             <a:extLst>
               <a:ext uri="{FF2B5EF4-FFF2-40B4-BE49-F238E27FC236}">
-                <a16:creationId xmlns:a16="http://schemas.microsoft.com/office/drawing/2014/main" xmlns="" id="{6301F01B-387A-43A5-A050-E7FD188DCBAD}"/>
+                <a16:creationId xmlns="" xmlns:a16="http://schemas.microsoft.com/office/drawing/2014/main" id="{6301F01B-387A-43A5-A050-E7FD188DCBAD}"/>
               </a:ext>
             </a:extLst>
           </p:cNvPr>
@@ -2198,7 +2198,7 @@
           <p:cNvPr id="9" name="Slide Number Placeholder 8">
             <a:extLst>
               <a:ext uri="{FF2B5EF4-FFF2-40B4-BE49-F238E27FC236}">
-                <a16:creationId xmlns:a16="http://schemas.microsoft.com/office/drawing/2014/main" xmlns="" id="{2CFA9ED3-8748-4D02-85AF-CEC5E53647C9}"/>
+                <a16:creationId xmlns="" xmlns:a16="http://schemas.microsoft.com/office/drawing/2014/main" id="{2CFA9ED3-8748-4D02-85AF-CEC5E53647C9}"/>
               </a:ext>
             </a:extLst>
           </p:cNvPr>
@@ -2227,7 +2227,7 @@
           <p:cNvPr id="10" name="Graphic 9">
             <a:extLst>
               <a:ext uri="{FF2B5EF4-FFF2-40B4-BE49-F238E27FC236}">
-                <a16:creationId xmlns:a16="http://schemas.microsoft.com/office/drawing/2014/main" xmlns="" id="{5DC01DE6-4B81-49FF-A1BC-F1B33D91A829}"/>
+                <a16:creationId xmlns="" xmlns:a16="http://schemas.microsoft.com/office/drawing/2014/main" id="{5DC01DE6-4B81-49FF-A1BC-F1B33D91A829}"/>
               </a:ext>
             </a:extLst>
           </p:cNvPr>
@@ -2243,7 +2243,7 @@
                 <a14:useLocalDpi xmlns:a14="http://schemas.microsoft.com/office/drawing/2010/main" val="0"/>
               </a:ext>
               <a:ext uri="{96DAC541-7B7A-43D3-8B79-37D633B846F1}">
-                <asvg:svgBlip xmlns:asvg="http://schemas.microsoft.com/office/drawing/2016/SVG/main" xmlns="" r:embed="rId3"/>
+                <asvg:svgBlip xmlns="" xmlns:asvg="http://schemas.microsoft.com/office/drawing/2016/SVG/main" r:embed="rId3"/>
               </a:ext>
             </a:extLst>
           </a:blip>
@@ -2266,7 +2266,7 @@
           <p:cNvPr id="11" name="Straight Connector 10">
             <a:extLst>
               <a:ext uri="{FF2B5EF4-FFF2-40B4-BE49-F238E27FC236}">
-                <a16:creationId xmlns:a16="http://schemas.microsoft.com/office/drawing/2014/main" xmlns="" id="{7BC66920-3C2B-45EE-B162-F902BF0AE62A}"/>
+                <a16:creationId xmlns="" xmlns:a16="http://schemas.microsoft.com/office/drawing/2014/main" id="{7BC66920-3C2B-45EE-B162-F902BF0AE62A}"/>
               </a:ext>
             </a:extLst>
           </p:cNvPr>
@@ -2334,7 +2334,7 @@
           <p:cNvPr id="2" name="Title 1">
             <a:extLst>
               <a:ext uri="{FF2B5EF4-FFF2-40B4-BE49-F238E27FC236}">
-                <a16:creationId xmlns:a16="http://schemas.microsoft.com/office/drawing/2014/main" xmlns="" id="{FC2685BC-8198-487D-B3A2-F9E4DE9A4005}"/>
+                <a16:creationId xmlns="" xmlns:a16="http://schemas.microsoft.com/office/drawing/2014/main" id="{FC2685BC-8198-487D-B3A2-F9E4DE9A4005}"/>
               </a:ext>
             </a:extLst>
           </p:cNvPr>
@@ -2367,7 +2367,7 @@
           <p:cNvPr id="3" name="Date Placeholder 2">
             <a:extLst>
               <a:ext uri="{FF2B5EF4-FFF2-40B4-BE49-F238E27FC236}">
-                <a16:creationId xmlns:a16="http://schemas.microsoft.com/office/drawing/2014/main" xmlns="" id="{32C13D78-C4A1-4F83-92A0-5B500EB218ED}"/>
+                <a16:creationId xmlns="" xmlns:a16="http://schemas.microsoft.com/office/drawing/2014/main" id="{32C13D78-C4A1-4F83-92A0-5B500EB218ED}"/>
               </a:ext>
             </a:extLst>
           </p:cNvPr>
@@ -2385,7 +2385,7 @@
           <a:p>
             <a:fld id="{2BBC7F7D-1EE4-434C-870D-3F195F950ADF}" type="datetimeFigureOut">
               <a:rPr lang="en-US" smtClean="0"/>
-              <a:t>6/23/18</a:t>
+              <a:t>6/24/18</a:t>
             </a:fld>
             <a:endParaRPr lang="en-US"/>
           </a:p>
@@ -2396,7 +2396,7 @@
           <p:cNvPr id="4" name="Footer Placeholder 3">
             <a:extLst>
               <a:ext uri="{FF2B5EF4-FFF2-40B4-BE49-F238E27FC236}">
-                <a16:creationId xmlns:a16="http://schemas.microsoft.com/office/drawing/2014/main" xmlns="" id="{A132DAD8-F556-45FE-A61C-F39720FD3B28}"/>
+                <a16:creationId xmlns="" xmlns:a16="http://schemas.microsoft.com/office/drawing/2014/main" id="{A132DAD8-F556-45FE-A61C-F39720FD3B28}"/>
               </a:ext>
             </a:extLst>
           </p:cNvPr>
@@ -2424,7 +2424,7 @@
           <p:cNvPr id="5" name="Slide Number Placeholder 4">
             <a:extLst>
               <a:ext uri="{FF2B5EF4-FFF2-40B4-BE49-F238E27FC236}">
-                <a16:creationId xmlns:a16="http://schemas.microsoft.com/office/drawing/2014/main" xmlns="" id="{DED83A6D-B15E-41EF-B39A-6FBC44F14ABC}"/>
+                <a16:creationId xmlns="" xmlns:a16="http://schemas.microsoft.com/office/drawing/2014/main" id="{DED83A6D-B15E-41EF-B39A-6FBC44F14ABC}"/>
               </a:ext>
             </a:extLst>
           </p:cNvPr>
@@ -2453,7 +2453,7 @@
           <p:cNvPr id="6" name="Graphic 5">
             <a:extLst>
               <a:ext uri="{FF2B5EF4-FFF2-40B4-BE49-F238E27FC236}">
-                <a16:creationId xmlns:a16="http://schemas.microsoft.com/office/drawing/2014/main" xmlns="" id="{DD22BB4C-595C-4C9C-B4B4-2710733FFF87}"/>
+                <a16:creationId xmlns="" xmlns:a16="http://schemas.microsoft.com/office/drawing/2014/main" id="{DD22BB4C-595C-4C9C-B4B4-2710733FFF87}"/>
               </a:ext>
             </a:extLst>
           </p:cNvPr>
@@ -2469,7 +2469,7 @@
                 <a14:useLocalDpi xmlns:a14="http://schemas.microsoft.com/office/drawing/2010/main" val="0"/>
               </a:ext>
               <a:ext uri="{96DAC541-7B7A-43D3-8B79-37D633B846F1}">
-                <asvg:svgBlip xmlns:asvg="http://schemas.microsoft.com/office/drawing/2016/SVG/main" xmlns="" r:embed="rId3"/>
+                <asvg:svgBlip xmlns="" xmlns:asvg="http://schemas.microsoft.com/office/drawing/2016/SVG/main" r:embed="rId3"/>
               </a:ext>
             </a:extLst>
           </a:blip>
@@ -2492,7 +2492,7 @@
           <p:cNvPr id="7" name="Straight Connector 6">
             <a:extLst>
               <a:ext uri="{FF2B5EF4-FFF2-40B4-BE49-F238E27FC236}">
-                <a16:creationId xmlns:a16="http://schemas.microsoft.com/office/drawing/2014/main" xmlns="" id="{46EA774A-A55A-48D3-9785-1F29A720776C}"/>
+                <a16:creationId xmlns="" xmlns:a16="http://schemas.microsoft.com/office/drawing/2014/main" id="{46EA774A-A55A-48D3-9785-1F29A720776C}"/>
               </a:ext>
             </a:extLst>
           </p:cNvPr>
@@ -2560,7 +2560,7 @@
           <p:cNvPr id="2" name="Date Placeholder 1">
             <a:extLst>
               <a:ext uri="{FF2B5EF4-FFF2-40B4-BE49-F238E27FC236}">
-                <a16:creationId xmlns:a16="http://schemas.microsoft.com/office/drawing/2014/main" xmlns="" id="{1B0A9B1B-38F9-4964-B36B-2E12216A6EC4}"/>
+                <a16:creationId xmlns="" xmlns:a16="http://schemas.microsoft.com/office/drawing/2014/main" id="{1B0A9B1B-38F9-4964-B36B-2E12216A6EC4}"/>
               </a:ext>
             </a:extLst>
           </p:cNvPr>
@@ -2578,7 +2578,7 @@
           <a:p>
             <a:fld id="{2BBC7F7D-1EE4-434C-870D-3F195F950ADF}" type="datetimeFigureOut">
               <a:rPr lang="en-US" smtClean="0"/>
-              <a:t>6/23/18</a:t>
+              <a:t>6/24/18</a:t>
             </a:fld>
             <a:endParaRPr lang="en-US"/>
           </a:p>
@@ -2589,7 +2589,7 @@
           <p:cNvPr id="3" name="Footer Placeholder 2">
             <a:extLst>
               <a:ext uri="{FF2B5EF4-FFF2-40B4-BE49-F238E27FC236}">
-                <a16:creationId xmlns:a16="http://schemas.microsoft.com/office/drawing/2014/main" xmlns="" id="{278D9DCA-6879-4CED-9E6F-995EE246BEB7}"/>
+                <a16:creationId xmlns="" xmlns:a16="http://schemas.microsoft.com/office/drawing/2014/main" id="{278D9DCA-6879-4CED-9E6F-995EE246BEB7}"/>
               </a:ext>
             </a:extLst>
           </p:cNvPr>
@@ -2617,7 +2617,7 @@
           <p:cNvPr id="4" name="Slide Number Placeholder 3">
             <a:extLst>
               <a:ext uri="{FF2B5EF4-FFF2-40B4-BE49-F238E27FC236}">
-                <a16:creationId xmlns:a16="http://schemas.microsoft.com/office/drawing/2014/main" xmlns="" id="{51584B19-80FD-41CE-8C49-2055C8926AB2}"/>
+                <a16:creationId xmlns="" xmlns:a16="http://schemas.microsoft.com/office/drawing/2014/main" id="{51584B19-80FD-41CE-8C49-2055C8926AB2}"/>
               </a:ext>
             </a:extLst>
           </p:cNvPr>
@@ -2646,7 +2646,7 @@
           <p:cNvPr id="5" name="Graphic 4">
             <a:extLst>
               <a:ext uri="{FF2B5EF4-FFF2-40B4-BE49-F238E27FC236}">
-                <a16:creationId xmlns:a16="http://schemas.microsoft.com/office/drawing/2014/main" xmlns="" id="{468A5F6F-FDCA-4F95-A178-8394B8A85088}"/>
+                <a16:creationId xmlns="" xmlns:a16="http://schemas.microsoft.com/office/drawing/2014/main" id="{468A5F6F-FDCA-4F95-A178-8394B8A85088}"/>
               </a:ext>
             </a:extLst>
           </p:cNvPr>
@@ -2662,7 +2662,7 @@
                 <a14:useLocalDpi xmlns:a14="http://schemas.microsoft.com/office/drawing/2010/main" val="0"/>
               </a:ext>
               <a:ext uri="{96DAC541-7B7A-43D3-8B79-37D633B846F1}">
-                <asvg:svgBlip xmlns:asvg="http://schemas.microsoft.com/office/drawing/2016/SVG/main" xmlns="" r:embed="rId3"/>
+                <asvg:svgBlip xmlns="" xmlns:asvg="http://schemas.microsoft.com/office/drawing/2016/SVG/main" r:embed="rId3"/>
               </a:ext>
             </a:extLst>
           </a:blip>
@@ -2685,7 +2685,7 @@
           <p:cNvPr id="6" name="Straight Connector 5">
             <a:extLst>
               <a:ext uri="{FF2B5EF4-FFF2-40B4-BE49-F238E27FC236}">
-                <a16:creationId xmlns:a16="http://schemas.microsoft.com/office/drawing/2014/main" xmlns="" id="{D7A6FADE-3CF6-480E-A0D6-B3CDF488FCED}"/>
+                <a16:creationId xmlns="" xmlns:a16="http://schemas.microsoft.com/office/drawing/2014/main" id="{D7A6FADE-3CF6-480E-A0D6-B3CDF488FCED}"/>
               </a:ext>
             </a:extLst>
           </p:cNvPr>
@@ -2753,7 +2753,7 @@
           <p:cNvPr id="2" name="Title 1">
             <a:extLst>
               <a:ext uri="{FF2B5EF4-FFF2-40B4-BE49-F238E27FC236}">
-                <a16:creationId xmlns:a16="http://schemas.microsoft.com/office/drawing/2014/main" xmlns="" id="{79CF6BE2-2C9E-444D-913B-B1DA27BAA09D}"/>
+                <a16:creationId xmlns="" xmlns:a16="http://schemas.microsoft.com/office/drawing/2014/main" id="{79CF6BE2-2C9E-444D-913B-B1DA27BAA09D}"/>
               </a:ext>
             </a:extLst>
           </p:cNvPr>
@@ -2790,7 +2790,7 @@
           <p:cNvPr id="3" name="Content Placeholder 2">
             <a:extLst>
               <a:ext uri="{FF2B5EF4-FFF2-40B4-BE49-F238E27FC236}">
-                <a16:creationId xmlns:a16="http://schemas.microsoft.com/office/drawing/2014/main" xmlns="" id="{2DA93E09-4E7A-439C-8132-7F987A78F5FE}"/>
+                <a16:creationId xmlns="" xmlns:a16="http://schemas.microsoft.com/office/drawing/2014/main" id="{2DA93E09-4E7A-439C-8132-7F987A78F5FE}"/>
               </a:ext>
             </a:extLst>
           </p:cNvPr>
@@ -2880,7 +2880,7 @@
           <p:cNvPr id="4" name="Text Placeholder 3">
             <a:extLst>
               <a:ext uri="{FF2B5EF4-FFF2-40B4-BE49-F238E27FC236}">
-                <a16:creationId xmlns:a16="http://schemas.microsoft.com/office/drawing/2014/main" xmlns="" id="{A05CFB46-10FF-480C-B4E5-D20D3BB8A3EE}"/>
+                <a16:creationId xmlns="" xmlns:a16="http://schemas.microsoft.com/office/drawing/2014/main" id="{A05CFB46-10FF-480C-B4E5-D20D3BB8A3EE}"/>
               </a:ext>
             </a:extLst>
           </p:cNvPr>
@@ -2951,7 +2951,7 @@
           <p:cNvPr id="5" name="Date Placeholder 4">
             <a:extLst>
               <a:ext uri="{FF2B5EF4-FFF2-40B4-BE49-F238E27FC236}">
-                <a16:creationId xmlns:a16="http://schemas.microsoft.com/office/drawing/2014/main" xmlns="" id="{C30AA8A1-7C60-4CD6-8BFD-847154DF92EF}"/>
+                <a16:creationId xmlns="" xmlns:a16="http://schemas.microsoft.com/office/drawing/2014/main" id="{C30AA8A1-7C60-4CD6-8BFD-847154DF92EF}"/>
               </a:ext>
             </a:extLst>
           </p:cNvPr>
@@ -2969,7 +2969,7 @@
           <a:p>
             <a:fld id="{2BBC7F7D-1EE4-434C-870D-3F195F950ADF}" type="datetimeFigureOut">
               <a:rPr lang="en-US" smtClean="0"/>
-              <a:t>6/23/18</a:t>
+              <a:t>6/24/18</a:t>
             </a:fld>
             <a:endParaRPr lang="en-US"/>
           </a:p>
@@ -2980,7 +2980,7 @@
           <p:cNvPr id="6" name="Footer Placeholder 5">
             <a:extLst>
               <a:ext uri="{FF2B5EF4-FFF2-40B4-BE49-F238E27FC236}">
-                <a16:creationId xmlns:a16="http://schemas.microsoft.com/office/drawing/2014/main" xmlns="" id="{5FD1D874-AF62-4D6D-9E7E-64DC50C679C0}"/>
+                <a16:creationId xmlns="" xmlns:a16="http://schemas.microsoft.com/office/drawing/2014/main" id="{5FD1D874-AF62-4D6D-9E7E-64DC50C679C0}"/>
               </a:ext>
             </a:extLst>
           </p:cNvPr>
@@ -3008,7 +3008,7 @@
           <p:cNvPr id="7" name="Slide Number Placeholder 6">
             <a:extLst>
               <a:ext uri="{FF2B5EF4-FFF2-40B4-BE49-F238E27FC236}">
-                <a16:creationId xmlns:a16="http://schemas.microsoft.com/office/drawing/2014/main" xmlns="" id="{E5A6F843-83D0-4ABE-AB8B-EDA0CD48D690}"/>
+                <a16:creationId xmlns="" xmlns:a16="http://schemas.microsoft.com/office/drawing/2014/main" id="{E5A6F843-83D0-4ABE-AB8B-EDA0CD48D690}"/>
               </a:ext>
             </a:extLst>
           </p:cNvPr>
@@ -3037,7 +3037,7 @@
           <p:cNvPr id="8" name="Graphic 7">
             <a:extLst>
               <a:ext uri="{FF2B5EF4-FFF2-40B4-BE49-F238E27FC236}">
-                <a16:creationId xmlns:a16="http://schemas.microsoft.com/office/drawing/2014/main" xmlns="" id="{FC40D7B5-115E-4200-B215-F41938FDCC93}"/>
+                <a16:creationId xmlns="" xmlns:a16="http://schemas.microsoft.com/office/drawing/2014/main" id="{FC40D7B5-115E-4200-B215-F41938FDCC93}"/>
               </a:ext>
             </a:extLst>
           </p:cNvPr>
@@ -3053,7 +3053,7 @@
                 <a14:useLocalDpi xmlns:a14="http://schemas.microsoft.com/office/drawing/2010/main" val="0"/>
               </a:ext>
               <a:ext uri="{96DAC541-7B7A-43D3-8B79-37D633B846F1}">
-                <asvg:svgBlip xmlns:asvg="http://schemas.microsoft.com/office/drawing/2016/SVG/main" xmlns="" r:embed="rId3"/>
+                <asvg:svgBlip xmlns="" xmlns:asvg="http://schemas.microsoft.com/office/drawing/2016/SVG/main" r:embed="rId3"/>
               </a:ext>
             </a:extLst>
           </a:blip>
@@ -3076,7 +3076,7 @@
           <p:cNvPr id="9" name="Straight Connector 8">
             <a:extLst>
               <a:ext uri="{FF2B5EF4-FFF2-40B4-BE49-F238E27FC236}">
-                <a16:creationId xmlns:a16="http://schemas.microsoft.com/office/drawing/2014/main" xmlns="" id="{32D80AC0-5490-43D2-A540-5F960F98BD41}"/>
+                <a16:creationId xmlns="" xmlns:a16="http://schemas.microsoft.com/office/drawing/2014/main" id="{32D80AC0-5490-43D2-A540-5F960F98BD41}"/>
               </a:ext>
             </a:extLst>
           </p:cNvPr>
@@ -3144,7 +3144,7 @@
           <p:cNvPr id="2" name="Title 1">
             <a:extLst>
               <a:ext uri="{FF2B5EF4-FFF2-40B4-BE49-F238E27FC236}">
-                <a16:creationId xmlns:a16="http://schemas.microsoft.com/office/drawing/2014/main" xmlns="" id="{79CA2EBF-34D6-4A68-9B4C-9FEF1F132929}"/>
+                <a16:creationId xmlns="" xmlns:a16="http://schemas.microsoft.com/office/drawing/2014/main" id="{79CA2EBF-34D6-4A68-9B4C-9FEF1F132929}"/>
               </a:ext>
             </a:extLst>
           </p:cNvPr>
@@ -3181,7 +3181,7 @@
           <p:cNvPr id="3" name="Picture Placeholder 2">
             <a:extLst>
               <a:ext uri="{FF2B5EF4-FFF2-40B4-BE49-F238E27FC236}">
-                <a16:creationId xmlns:a16="http://schemas.microsoft.com/office/drawing/2014/main" xmlns="" id="{D578D99C-C7B1-4E12-A9AC-80033A26C789}"/>
+                <a16:creationId xmlns="" xmlns:a16="http://schemas.microsoft.com/office/drawing/2014/main" id="{D578D99C-C7B1-4E12-A9AC-80033A26C789}"/>
               </a:ext>
             </a:extLst>
           </p:cNvPr>
@@ -3248,7 +3248,7 @@
           <p:cNvPr id="4" name="Text Placeholder 3">
             <a:extLst>
               <a:ext uri="{FF2B5EF4-FFF2-40B4-BE49-F238E27FC236}">
-                <a16:creationId xmlns:a16="http://schemas.microsoft.com/office/drawing/2014/main" xmlns="" id="{D306AAF4-5BC7-43A1-9EE3-8020C1ACE9C0}"/>
+                <a16:creationId xmlns="" xmlns:a16="http://schemas.microsoft.com/office/drawing/2014/main" id="{D306AAF4-5BC7-43A1-9EE3-8020C1ACE9C0}"/>
               </a:ext>
             </a:extLst>
           </p:cNvPr>
@@ -3319,7 +3319,7 @@
           <p:cNvPr id="5" name="Date Placeholder 4">
             <a:extLst>
               <a:ext uri="{FF2B5EF4-FFF2-40B4-BE49-F238E27FC236}">
-                <a16:creationId xmlns:a16="http://schemas.microsoft.com/office/drawing/2014/main" xmlns="" id="{98F459D2-5717-495B-8C9A-6D24E43C1952}"/>
+                <a16:creationId xmlns="" xmlns:a16="http://schemas.microsoft.com/office/drawing/2014/main" id="{98F459D2-5717-495B-8C9A-6D24E43C1952}"/>
               </a:ext>
             </a:extLst>
           </p:cNvPr>
@@ -3337,7 +3337,7 @@
           <a:p>
             <a:fld id="{2BBC7F7D-1EE4-434C-870D-3F195F950ADF}" type="datetimeFigureOut">
               <a:rPr lang="en-US" smtClean="0"/>
-              <a:t>6/23/18</a:t>
+              <a:t>6/24/18</a:t>
             </a:fld>
             <a:endParaRPr lang="en-US"/>
           </a:p>
@@ -3348,7 +3348,7 @@
           <p:cNvPr id="6" name="Footer Placeholder 5">
             <a:extLst>
               <a:ext uri="{FF2B5EF4-FFF2-40B4-BE49-F238E27FC236}">
-                <a16:creationId xmlns:a16="http://schemas.microsoft.com/office/drawing/2014/main" xmlns="" id="{F4CF6EF4-4F8A-4198-AE75-1A7DCF2231CE}"/>
+                <a16:creationId xmlns="" xmlns:a16="http://schemas.microsoft.com/office/drawing/2014/main" id="{F4CF6EF4-4F8A-4198-AE75-1A7DCF2231CE}"/>
               </a:ext>
             </a:extLst>
           </p:cNvPr>
@@ -3376,7 +3376,7 @@
           <p:cNvPr id="7" name="Slide Number Placeholder 6">
             <a:extLst>
               <a:ext uri="{FF2B5EF4-FFF2-40B4-BE49-F238E27FC236}">
-                <a16:creationId xmlns:a16="http://schemas.microsoft.com/office/drawing/2014/main" xmlns="" id="{B658461F-3029-40C8-BE0A-E9FAA57E07D0}"/>
+                <a16:creationId xmlns="" xmlns:a16="http://schemas.microsoft.com/office/drawing/2014/main" id="{B658461F-3029-40C8-BE0A-E9FAA57E07D0}"/>
               </a:ext>
             </a:extLst>
           </p:cNvPr>
@@ -3405,7 +3405,7 @@
           <p:cNvPr id="8" name="Graphic 7">
             <a:extLst>
               <a:ext uri="{FF2B5EF4-FFF2-40B4-BE49-F238E27FC236}">
-                <a16:creationId xmlns:a16="http://schemas.microsoft.com/office/drawing/2014/main" xmlns="" id="{E1D6E9D6-AB4B-49A2-B85D-B74D65D47F66}"/>
+                <a16:creationId xmlns="" xmlns:a16="http://schemas.microsoft.com/office/drawing/2014/main" id="{E1D6E9D6-AB4B-49A2-B85D-B74D65D47F66}"/>
               </a:ext>
             </a:extLst>
           </p:cNvPr>
@@ -3421,7 +3421,7 @@
                 <a14:useLocalDpi xmlns:a14="http://schemas.microsoft.com/office/drawing/2010/main" val="0"/>
               </a:ext>
               <a:ext uri="{96DAC541-7B7A-43D3-8B79-37D633B846F1}">
-                <asvg:svgBlip xmlns:asvg="http://schemas.microsoft.com/office/drawing/2016/SVG/main" xmlns="" r:embed="rId3"/>
+                <asvg:svgBlip xmlns="" xmlns:asvg="http://schemas.microsoft.com/office/drawing/2016/SVG/main" r:embed="rId3"/>
               </a:ext>
             </a:extLst>
           </a:blip>
@@ -3444,7 +3444,7 @@
           <p:cNvPr id="9" name="Straight Connector 8">
             <a:extLst>
               <a:ext uri="{FF2B5EF4-FFF2-40B4-BE49-F238E27FC236}">
-                <a16:creationId xmlns:a16="http://schemas.microsoft.com/office/drawing/2014/main" xmlns="" id="{8CD8FC48-CC43-4442-A1CC-BAB328DE45DF}"/>
+                <a16:creationId xmlns="" xmlns:a16="http://schemas.microsoft.com/office/drawing/2014/main" id="{8CD8FC48-CC43-4442-A1CC-BAB328DE45DF}"/>
               </a:ext>
             </a:extLst>
           </p:cNvPr>
@@ -3517,7 +3517,7 @@
           <p:cNvPr id="2" name="Title Placeholder 1">
             <a:extLst>
               <a:ext uri="{FF2B5EF4-FFF2-40B4-BE49-F238E27FC236}">
-                <a16:creationId xmlns:a16="http://schemas.microsoft.com/office/drawing/2014/main" xmlns="" id="{82787F65-0E4C-4318-8C14-6F8703986715}"/>
+                <a16:creationId xmlns="" xmlns:a16="http://schemas.microsoft.com/office/drawing/2014/main" id="{82787F65-0E4C-4318-8C14-6F8703986715}"/>
               </a:ext>
             </a:extLst>
           </p:cNvPr>
@@ -3555,7 +3555,7 @@
           <p:cNvPr id="3" name="Text Placeholder 2">
             <a:extLst>
               <a:ext uri="{FF2B5EF4-FFF2-40B4-BE49-F238E27FC236}">
-                <a16:creationId xmlns:a16="http://schemas.microsoft.com/office/drawing/2014/main" xmlns="" id="{610EAE4C-16C9-4156-BE9B-79C1029805DB}"/>
+                <a16:creationId xmlns="" xmlns:a16="http://schemas.microsoft.com/office/drawing/2014/main" id="{610EAE4C-16C9-4156-BE9B-79C1029805DB}"/>
               </a:ext>
             </a:extLst>
           </p:cNvPr>
@@ -3622,7 +3622,7 @@
           <p:cNvPr id="4" name="Date Placeholder 3">
             <a:extLst>
               <a:ext uri="{FF2B5EF4-FFF2-40B4-BE49-F238E27FC236}">
-                <a16:creationId xmlns:a16="http://schemas.microsoft.com/office/drawing/2014/main" xmlns="" id="{8344F2A5-71B4-4CC3-9A81-E18E0403F923}"/>
+                <a16:creationId xmlns="" xmlns:a16="http://schemas.microsoft.com/office/drawing/2014/main" id="{8344F2A5-71B4-4CC3-9A81-E18E0403F923}"/>
               </a:ext>
             </a:extLst>
           </p:cNvPr>
@@ -3658,7 +3658,7 @@
           <a:p>
             <a:fld id="{2BBC7F7D-1EE4-434C-870D-3F195F950ADF}" type="datetimeFigureOut">
               <a:rPr lang="en-US" smtClean="0"/>
-              <a:t>6/23/18</a:t>
+              <a:t>6/24/18</a:t>
             </a:fld>
             <a:endParaRPr lang="en-US"/>
           </a:p>
@@ -3669,7 +3669,7 @@
           <p:cNvPr id="5" name="Footer Placeholder 4">
             <a:extLst>
               <a:ext uri="{FF2B5EF4-FFF2-40B4-BE49-F238E27FC236}">
-                <a16:creationId xmlns:a16="http://schemas.microsoft.com/office/drawing/2014/main" xmlns="" id="{D7EBDAE6-CD84-4C2B-AB9E-A704627AC005}"/>
+                <a16:creationId xmlns="" xmlns:a16="http://schemas.microsoft.com/office/drawing/2014/main" id="{D7EBDAE6-CD84-4C2B-AB9E-A704627AC005}"/>
               </a:ext>
             </a:extLst>
           </p:cNvPr>
@@ -3712,7 +3712,7 @@
           <p:cNvPr id="6" name="Slide Number Placeholder 5">
             <a:extLst>
               <a:ext uri="{FF2B5EF4-FFF2-40B4-BE49-F238E27FC236}">
-                <a16:creationId xmlns:a16="http://schemas.microsoft.com/office/drawing/2014/main" xmlns="" id="{AF2011CC-5672-4315-81DC-B9476F952F22}"/>
+                <a16:creationId xmlns="" xmlns:a16="http://schemas.microsoft.com/office/drawing/2014/main" id="{AF2011CC-5672-4315-81DC-B9476F952F22}"/>
               </a:ext>
             </a:extLst>
           </p:cNvPr>
@@ -4080,7 +4080,7 @@
           <p:cNvPr id="2" name="Title 1">
             <a:extLst>
               <a:ext uri="{FF2B5EF4-FFF2-40B4-BE49-F238E27FC236}">
-                <a16:creationId xmlns:a16="http://schemas.microsoft.com/office/drawing/2014/main" xmlns="" id="{95A2A45F-2988-4B7D-A37F-B844B4E08C0C}"/>
+                <a16:creationId xmlns="" xmlns:a16="http://schemas.microsoft.com/office/drawing/2014/main" id="{95A2A45F-2988-4B7D-A37F-B844B4E08C0C}"/>
               </a:ext>
             </a:extLst>
           </p:cNvPr>
@@ -4098,7 +4098,15 @@
           <a:p>
             <a:r>
               <a:rPr lang="en-US" dirty="0"/>
-              <a:t>MWS – Project 1 Review</a:t>
+              <a:t>MWS – Project </a:t>
+            </a:r>
+            <a:r>
+              <a:rPr lang="en-US" dirty="0" smtClean="0"/>
+              <a:t>2 </a:t>
+            </a:r>
+            <a:r>
+              <a:rPr lang="en-US" dirty="0"/>
+              <a:t>Review</a:t>
             </a:r>
           </a:p>
         </p:txBody>
@@ -4108,7 +4116,7 @@
           <p:cNvPr id="3" name="Subtitle 2">
             <a:extLst>
               <a:ext uri="{FF2B5EF4-FFF2-40B4-BE49-F238E27FC236}">
-                <a16:creationId xmlns:a16="http://schemas.microsoft.com/office/drawing/2014/main" xmlns="" id="{D95CF8C8-31C1-47DF-8C8E-9E9248D4493C}"/>
+                <a16:creationId xmlns="" xmlns:a16="http://schemas.microsoft.com/office/drawing/2014/main" id="{D95CF8C8-31C1-47DF-8C8E-9E9248D4493C}"/>
               </a:ext>
             </a:extLst>
           </p:cNvPr>
@@ -4173,7 +4181,7 @@
           <p:cNvPr id="2" name="Title 1">
             <a:extLst>
               <a:ext uri="{FF2B5EF4-FFF2-40B4-BE49-F238E27FC236}">
-                <a16:creationId xmlns:a16="http://schemas.microsoft.com/office/drawing/2014/main" xmlns="" id="{AC451CB8-FE4F-4F50-AF80-3F2AC008026F}"/>
+                <a16:creationId xmlns="" xmlns:a16="http://schemas.microsoft.com/office/drawing/2014/main" id="{AC451CB8-FE4F-4F50-AF80-3F2AC008026F}"/>
               </a:ext>
             </a:extLst>
           </p:cNvPr>
@@ -4201,7 +4209,7 @@
           <p:cNvPr id="3" name="Content Placeholder 2">
             <a:extLst>
               <a:ext uri="{FF2B5EF4-FFF2-40B4-BE49-F238E27FC236}">
-                <a16:creationId xmlns:a16="http://schemas.microsoft.com/office/drawing/2014/main" xmlns="" id="{BF4D2156-3DB5-40CC-AF81-84B29E355D48}"/>
+                <a16:creationId xmlns="" xmlns:a16="http://schemas.microsoft.com/office/drawing/2014/main" id="{BF4D2156-3DB5-40CC-AF81-84B29E355D48}"/>
               </a:ext>
             </a:extLst>
           </p:cNvPr>
@@ -4292,7 +4300,6 @@
               <a:rPr lang="en-US" sz="1800" dirty="0"/>
               <a:t>/</a:t>
             </a:r>
-            <a:endParaRPr lang="en-US" sz="1800" dirty="0"/>
           </a:p>
         </p:txBody>
       </p:sp>
@@ -4331,7 +4338,7 @@
           <p:cNvPr id="2" name="Title 1">
             <a:extLst>
               <a:ext uri="{FF2B5EF4-FFF2-40B4-BE49-F238E27FC236}">
-                <a16:creationId xmlns:a16="http://schemas.microsoft.com/office/drawing/2014/main" xmlns="" id="{B28D4353-7D8B-4D6B-AE11-EB941D8E93FB}"/>
+                <a16:creationId xmlns="" xmlns:a16="http://schemas.microsoft.com/office/drawing/2014/main" id="{B28D4353-7D8B-4D6B-AE11-EB941D8E93FB}"/>
               </a:ext>
             </a:extLst>
           </p:cNvPr>
@@ -4359,7 +4366,7 @@
           <p:cNvPr id="3" name="Content Placeholder 2">
             <a:extLst>
               <a:ext uri="{FF2B5EF4-FFF2-40B4-BE49-F238E27FC236}">
-                <a16:creationId xmlns:a16="http://schemas.microsoft.com/office/drawing/2014/main" xmlns="" id="{0AB1E086-C3A2-469F-95E9-64B2D9146160}"/>
+                <a16:creationId xmlns="" xmlns:a16="http://schemas.microsoft.com/office/drawing/2014/main" id="{0AB1E086-C3A2-469F-95E9-64B2D9146160}"/>
               </a:ext>
             </a:extLst>
           </p:cNvPr>
@@ -4459,7 +4466,7 @@
           <p:cNvPr id="2" name="Title 1">
             <a:extLst>
               <a:ext uri="{FF2B5EF4-FFF2-40B4-BE49-F238E27FC236}">
-                <a16:creationId xmlns:a16="http://schemas.microsoft.com/office/drawing/2014/main" xmlns="" id="{86120B41-0D9D-4200-BBBE-875B9899F2B7}"/>
+                <a16:creationId xmlns="" xmlns:a16="http://schemas.microsoft.com/office/drawing/2014/main" id="{86120B41-0D9D-4200-BBBE-875B9899F2B7}"/>
               </a:ext>
             </a:extLst>
           </p:cNvPr>
@@ -4487,7 +4494,7 @@
           <p:cNvPr id="3" name="Content Placeholder 2">
             <a:extLst>
               <a:ext uri="{FF2B5EF4-FFF2-40B4-BE49-F238E27FC236}">
-                <a16:creationId xmlns:a16="http://schemas.microsoft.com/office/drawing/2014/main" xmlns="" id="{1F37D036-8DCB-4598-8787-E9E3DD0525ED}"/>
+                <a16:creationId xmlns="" xmlns:a16="http://schemas.microsoft.com/office/drawing/2014/main" id="{1F37D036-8DCB-4598-8787-E9E3DD0525ED}"/>
               </a:ext>
             </a:extLst>
           </p:cNvPr>
@@ -4599,7 +4606,7 @@
           <p:cNvPr id="2" name="Title 1">
             <a:extLst>
               <a:ext uri="{FF2B5EF4-FFF2-40B4-BE49-F238E27FC236}">
-                <a16:creationId xmlns:a16="http://schemas.microsoft.com/office/drawing/2014/main" xmlns="" id="{86120B41-0D9D-4200-BBBE-875B9899F2B7}"/>
+                <a16:creationId xmlns="" xmlns:a16="http://schemas.microsoft.com/office/drawing/2014/main" id="{86120B41-0D9D-4200-BBBE-875B9899F2B7}"/>
               </a:ext>
             </a:extLst>
           </p:cNvPr>
@@ -4627,7 +4634,7 @@
           <p:cNvPr id="1026" name="Picture 2" descr="https://images.fineartamerica.com/images-medium-large-5/astral-unicorn-steve-read.jpg">
             <a:extLst>
               <a:ext uri="{FF2B5EF4-FFF2-40B4-BE49-F238E27FC236}">
-                <a16:creationId xmlns:a16="http://schemas.microsoft.com/office/drawing/2014/main" xmlns="" id="{99C906AF-268B-4613-8B72-626D1F625306}"/>
+                <a16:creationId xmlns="" xmlns:a16="http://schemas.microsoft.com/office/drawing/2014/main" id="{99C906AF-268B-4613-8B72-626D1F625306}"/>
               </a:ext>
             </a:extLst>
           </p:cNvPr>
@@ -4704,7 +4711,7 @@
           <p:cNvPr id="2" name="Title 1">
             <a:extLst>
               <a:ext uri="{FF2B5EF4-FFF2-40B4-BE49-F238E27FC236}">
-                <a16:creationId xmlns:a16="http://schemas.microsoft.com/office/drawing/2014/main" xmlns="" id="{69EA411E-083C-466B-A4FD-7906C9B9D244}"/>
+                <a16:creationId xmlns="" xmlns:a16="http://schemas.microsoft.com/office/drawing/2014/main" id="{69EA411E-083C-466B-A4FD-7906C9B9D244}"/>
               </a:ext>
             </a:extLst>
           </p:cNvPr>
@@ -4732,7 +4739,7 @@
           <p:cNvPr id="3" name="Content Placeholder 2">
             <a:extLst>
               <a:ext uri="{FF2B5EF4-FFF2-40B4-BE49-F238E27FC236}">
-                <a16:creationId xmlns:a16="http://schemas.microsoft.com/office/drawing/2014/main" xmlns="" id="{77FE0294-F2D7-4EF2-A03F-879D75F35CCC}"/>
+                <a16:creationId xmlns="" xmlns:a16="http://schemas.microsoft.com/office/drawing/2014/main" id="{77FE0294-F2D7-4EF2-A03F-879D75F35CCC}"/>
               </a:ext>
             </a:extLst>
           </p:cNvPr>
@@ -4805,7 +4812,7 @@
           <p:cNvPr id="2" name="Title 1">
             <a:extLst>
               <a:ext uri="{FF2B5EF4-FFF2-40B4-BE49-F238E27FC236}">
-                <a16:creationId xmlns:a16="http://schemas.microsoft.com/office/drawing/2014/main" xmlns="" id="{78949823-91C1-4C17-B067-DFF8E9D92079}"/>
+                <a16:creationId xmlns="" xmlns:a16="http://schemas.microsoft.com/office/drawing/2014/main" id="{78949823-91C1-4C17-B067-DFF8E9D92079}"/>
               </a:ext>
             </a:extLst>
           </p:cNvPr>
@@ -4838,7 +4845,7 @@
           <p:cNvPr id="3" name="Content Placeholder 2">
             <a:extLst>
               <a:ext uri="{FF2B5EF4-FFF2-40B4-BE49-F238E27FC236}">
-                <a16:creationId xmlns:a16="http://schemas.microsoft.com/office/drawing/2014/main" xmlns="" id="{298C6AF3-0F82-4573-BDEF-7EF49A7C90B7}"/>
+                <a16:creationId xmlns="" xmlns:a16="http://schemas.microsoft.com/office/drawing/2014/main" id="{298C6AF3-0F82-4573-BDEF-7EF49A7C90B7}"/>
               </a:ext>
             </a:extLst>
           </p:cNvPr>
@@ -4950,7 +4957,7 @@
           <p:cNvPr id="2" name="Title 1">
             <a:extLst>
               <a:ext uri="{FF2B5EF4-FFF2-40B4-BE49-F238E27FC236}">
-                <a16:creationId xmlns:a16="http://schemas.microsoft.com/office/drawing/2014/main" xmlns="" id="{78949823-91C1-4C17-B067-DFF8E9D92079}"/>
+                <a16:creationId xmlns="" xmlns:a16="http://schemas.microsoft.com/office/drawing/2014/main" id="{78949823-91C1-4C17-B067-DFF8E9D92079}"/>
               </a:ext>
             </a:extLst>
           </p:cNvPr>
@@ -4978,7 +4985,7 @@
           <p:cNvPr id="3" name="Content Placeholder 2">
             <a:extLst>
               <a:ext uri="{FF2B5EF4-FFF2-40B4-BE49-F238E27FC236}">
-                <a16:creationId xmlns:a16="http://schemas.microsoft.com/office/drawing/2014/main" xmlns="" id="{298C6AF3-0F82-4573-BDEF-7EF49A7C90B7}"/>
+                <a16:creationId xmlns="" xmlns:a16="http://schemas.microsoft.com/office/drawing/2014/main" id="{298C6AF3-0F82-4573-BDEF-7EF49A7C90B7}"/>
               </a:ext>
             </a:extLst>
           </p:cNvPr>
@@ -5047,7 +5054,7 @@
           <p:cNvPr id="2" name="Title 1">
             <a:extLst>
               <a:ext uri="{FF2B5EF4-FFF2-40B4-BE49-F238E27FC236}">
-                <a16:creationId xmlns:a16="http://schemas.microsoft.com/office/drawing/2014/main" xmlns="" id="{78949823-91C1-4C17-B067-DFF8E9D92079}"/>
+                <a16:creationId xmlns="" xmlns:a16="http://schemas.microsoft.com/office/drawing/2014/main" id="{78949823-91C1-4C17-B067-DFF8E9D92079}"/>
               </a:ext>
             </a:extLst>
           </p:cNvPr>
@@ -5075,7 +5082,7 @@
           <p:cNvPr id="3" name="Content Placeholder 2">
             <a:extLst>
               <a:ext uri="{FF2B5EF4-FFF2-40B4-BE49-F238E27FC236}">
-                <a16:creationId xmlns:a16="http://schemas.microsoft.com/office/drawing/2014/main" xmlns="" id="{298C6AF3-0F82-4573-BDEF-7EF49A7C90B7}"/>
+                <a16:creationId xmlns="" xmlns:a16="http://schemas.microsoft.com/office/drawing/2014/main" id="{298C6AF3-0F82-4573-BDEF-7EF49A7C90B7}"/>
               </a:ext>
             </a:extLst>
           </p:cNvPr>
@@ -5165,7 +5172,7 @@
           <p:cNvPr id="6" name="Title 5">
             <a:extLst>
               <a:ext uri="{FF2B5EF4-FFF2-40B4-BE49-F238E27FC236}">
-                <a16:creationId xmlns:a16="http://schemas.microsoft.com/office/drawing/2014/main" xmlns="" id="{38013BDC-3E1A-4BE9-BDC3-7F6A358B7634}"/>
+                <a16:creationId xmlns="" xmlns:a16="http://schemas.microsoft.com/office/drawing/2014/main" id="{38013BDC-3E1A-4BE9-BDC3-7F6A358B7634}"/>
               </a:ext>
             </a:extLst>
           </p:cNvPr>
